--- a/slides/002 Core.pptx
+++ b/slides/002 Core.pptx
@@ -4248,21 +4248,12 @@
             </a:pPr>
             <a:r>
               <a:rPr lang="ru-RU" b="1" dirty="0"/>
-              <a:t>Создать свой профиль на </a:t>
-            </a:r>
-            <a:r>
-              <a:rPr lang="en-US" b="1" dirty="0"/>
-              <a:t>Github</a:t>
-            </a:r>
-            <a:r>
-              <a:rPr lang="ru-RU" b="1" dirty="0"/>
-              <a:t> и репозиторий по выше приведенным слайдам</a:t>
+              <a:t>Разобраться с многофайловой компиляцией, сделать калькулятор модульным</a:t>
             </a:r>
             <a:r>
               <a:rPr lang="ru-RU" dirty="0"/>
               <a:t>;</a:t>
             </a:r>
-            <a:endParaRPr lang="en-US" dirty="0"/>
           </a:p>
           <a:p>
             <a:pPr marL="514350" indent="-514350">
@@ -4270,95 +4261,26 @@
               <a:buAutoNum type="arabicPeriod"/>
             </a:pPr>
             <a:r>
-              <a:rPr lang="ru-RU" b="1" dirty="0"/>
-              <a:t>Домашние задания </a:t>
-            </a:r>
-            <a:r>
               <a:rPr lang="ru-RU" dirty="0"/>
-              <a:t>публиковать именно </a:t>
-            </a:r>
-            <a:r>
-              <a:rPr lang="ru-RU" b="1" dirty="0"/>
-              <a:t>там</a:t>
+              <a:t>Добавить в калькулятор возможности библиотеки </a:t>
+            </a:r>
+            <a:r>
+              <a:rPr lang="en-US" dirty="0"/>
+              <a:t>&lt;</a:t>
+            </a:r>
+            <a:r>
+              <a:rPr lang="en-US" dirty="0" err="1"/>
+              <a:t>numerics</a:t>
+            </a:r>
+            <a:r>
+              <a:rPr lang="en-US" dirty="0"/>
+              <a:t>&gt;</a:t>
             </a:r>
             <a:r>
               <a:rPr lang="ru-RU" dirty="0"/>
-              <a:t>, в группе обязательно напишите </a:t>
-            </a:r>
-            <a:r>
-              <a:rPr lang="ru-RU" b="1" dirty="0"/>
-              <a:t>свои </a:t>
-            </a:r>
-            <a:r>
-              <a:rPr lang="en-US" b="1" dirty="0"/>
-              <a:t>username</a:t>
-            </a:r>
-            <a:r>
-              <a:rPr lang="ru-RU" dirty="0"/>
-              <a:t>, чтобы преподаватель мог вас найти;</a:t>
+              <a:t>, циклы и условия.</a:t>
             </a:r>
             <a:endParaRPr lang="en-US" dirty="0"/>
-          </a:p>
-          <a:p>
-            <a:pPr marL="514350" indent="-514350">
-              <a:buFont typeface="+mj-lt"/>
-              <a:buAutoNum type="arabicPeriod"/>
-            </a:pPr>
-            <a:r>
-              <a:rPr lang="ru-RU" dirty="0"/>
-              <a:t>Дополнительно разобраться с </a:t>
-            </a:r>
-            <a:r>
-              <a:rPr lang="en-US" b="1" dirty="0"/>
-              <a:t>Pull Request</a:t>
-            </a:r>
-            <a:r>
-              <a:rPr lang="ru-RU" b="1" dirty="0"/>
-              <a:t> </a:t>
-            </a:r>
-            <a:r>
-              <a:rPr lang="ru-RU" dirty="0"/>
-              <a:t>и </a:t>
-            </a:r>
-            <a:r>
-              <a:rPr lang="ru-RU" b="1" dirty="0"/>
-              <a:t>потренироваться</a:t>
-            </a:r>
-            <a:r>
-              <a:rPr lang="en-US" dirty="0"/>
-              <a:t>;</a:t>
-            </a:r>
-          </a:p>
-          <a:p>
-            <a:pPr marL="514350" indent="-514350">
-              <a:buFont typeface="+mj-lt"/>
-              <a:buAutoNum type="arabicPeriod"/>
-            </a:pPr>
-            <a:r>
-              <a:rPr lang="ru-RU" b="1" dirty="0">
-                <a:solidFill>
-                  <a:srgbClr val="C00000"/>
-                </a:solidFill>
-              </a:rPr>
-              <a:t>ВЫУЧИТЬ ЭТУ ИНФОРМАЦИЮ </a:t>
-            </a:r>
-            <a:r>
-              <a:rPr lang="ru-RU" dirty="0"/>
-              <a:t>- </a:t>
-            </a:r>
-            <a:r>
-              <a:rPr lang="en-US" dirty="0">
-                <a:hlinkClick r:id="rId2"/>
-              </a:rPr>
-              <a:t>https://danielkummer.github.io/git-flow-cheatsheet/index.ru_RU.html</a:t>
-            </a:r>
-            <a:r>
-              <a:rPr lang="en-US" dirty="0"/>
-              <a:t>;</a:t>
-            </a:r>
-          </a:p>
-          <a:p>
-            <a:endParaRPr lang="ru-RU" dirty="0"/>
           </a:p>
         </p:txBody>
       </p:sp>

--- a/slides/002 Core.pptx
+++ b/slides/002 Core.pptx
@@ -4275,6 +4275,14 @@
             <a:r>
               <a:rPr lang="en-US" dirty="0"/>
               <a:t>&gt;</a:t>
+            </a:r>
+            <a:r>
+              <a:rPr lang="ru-RU" dirty="0"/>
+              <a:t> и </a:t>
+            </a:r>
+            <a:r>
+              <a:rPr lang="en-US" dirty="0"/>
+              <a:t>&lt;complex&gt;</a:t>
             </a:r>
             <a:r>
               <a:rPr lang="ru-RU" dirty="0"/>
